--- a/tests/test_chinese.pptx
+++ b/tests/test_chinese.pptx
@@ -4589,7 +4589,7 @@
           <a:p>
             <a:r>
               <a:rPr lang="LID4096" sz="2400"/>
-              <a:t>探索其中的文化意义与技巧</a:t>
+              <a:t>探索所涉及的文化意义和技巧</a:t>
             </a:r>
           </a:p>
         </p:txBody>
@@ -5243,7 +5243,7 @@
             </a:pPr>
             <a:r>
               <a:rPr lang="en-GB" sz="1400"/>
-              <a:t>复活节彩蛋的传统源自古代文化，在那里鸡蛋象征着生育和新生命。</a:t>
+              <a:t>复活节彩蛋的传统起源于古代文化，鸡蛋象征着生育和新生命。</a:t>
             </a:r>
           </a:p>
           <a:p>
@@ -5264,7 +5264,7 @@
             </a:pPr>
             <a:r>
               <a:rPr lang="en-GB" sz="1400"/>
-              <a:t>早期的基督徒采用鸡蛋来象征耶稣的复活，将彩蛋传统与复活节庆祝活动交织在一起。</a:t>
+              <a:t>早期基督徒采用鸡蛋来象征耶稣的复活，将彩蛋传统与复活节庆祝活动交织在一起。</a:t>
             </a:r>
           </a:p>
           <a:p>
@@ -5285,7 +5285,7 @@
             </a:pPr>
             <a:r>
               <a:rPr lang="en-GB" sz="1400"/>
-              <a:t>装饰和交换复活节彩蛋的习俗一直延续下来，演变成世界各地不同的文化庆祝活动。</a:t>
+              <a:t>装饰和交换复活节彩蛋的做法一直延续下来，演变成世界各地各种文化庆祝活动。</a:t>
             </a:r>
             <a:endParaRPr lang="LID4096" sz="1400"/>
           </a:p>
@@ -5902,7 +5902,7 @@
             </a:pPr>
             <a:r>
               <a:rPr lang="en-GB" sz="1400"/>
-              <a:t>鸡蛋因其易得性和绘画的便捷性，成为艺术家最受欢迎的选择。</a:t>
+              <a:t>鸡蛋因其易得性和绘画的便捷性而成为艺术家的首选。</a:t>
             </a:r>
           </a:p>
           <a:p>
@@ -5923,7 +5923,7 @@
             </a:pPr>
             <a:r>
               <a:rPr lang="en-GB" sz="1400"/>
-              <a:t>鸭蛋提供了不同的质地和大小，虽然对艺术家构成挑战，但也提供了独特的艺术创作机会。</a:t>
+              <a:t>鸭蛋提供了不同的质地和尺寸，这可能会挑战艺术家，但也提供了独特的艺术机会。</a:t>
             </a:r>
           </a:p>
           <a:p>
@@ -5944,7 +5944,7 @@
             </a:pPr>
             <a:r>
               <a:rPr lang="en-GB" sz="1400"/>
-              <a:t>鹌鹑蛋体积较小且表面带有斑点，非常适合精细和复杂的设计。</a:t>
+              <a:t>鹌鹑蛋较小且具有斑点外观，非常适合精细和复杂的设计。</a:t>
             </a:r>
           </a:p>
           <a:p>
@@ -5965,7 +5965,7 @@
             </a:pPr>
             <a:r>
               <a:rPr lang="en-GB" sz="1400"/>
-              <a:t>木蛋是一种多用途的替代品，艺术家可以在上面作画，创造出持久耐用的作品。</a:t>
+              <a:t>木蛋是一种多功能替代品，艺术家可以在上面绘画，创造出持久耐用的作品。</a:t>
             </a:r>
             <a:endParaRPr lang="LID4096" sz="1400"/>
           </a:p>
@@ -6537,7 +6537,7 @@
             </a:pPr>
             <a:r>
               <a:rPr lang="en-GB" sz="1400"/>
-              <a:t>不同地区拥有独特的风格，在彩蛋绘画中展示其当地文化、历史和传统。</a:t>
+              <a:t>不同地区拥有独特的风格，展示了他们在彩蛋绘画中的本地文化、历史和传统。</a:t>
             </a:r>
           </a:p>
           <a:p>
@@ -6549,7 +6549,7 @@
             </a:pPr>
             <a:r>
               <a:rPr lang="en-GB" sz="1400" b="1"/>
-              <a:t>波兰几何图案</a:t>
+              <a:t>几何波兰图案</a:t>
             </a:r>
           </a:p>
           <a:p>
@@ -6558,7 +6558,7 @@
             </a:pPr>
             <a:r>
               <a:rPr lang="en-GB" sz="1400"/>
-              <a:t>波兰彩蛋绘画以复杂的几何图案为特色，突显了其传统中的工艺技巧和文化意义。</a:t>
+              <a:t>波兰彩蛋绘画以复杂的几何图案为特色，突出了其传统中的工艺和文化意义。</a:t>
             </a:r>
           </a:p>
           <a:p>
@@ -6570,7 +6570,7 @@
             </a:pPr>
             <a:r>
               <a:rPr lang="en-GB" sz="1400" b="1"/>
-              <a:t>俄罗斯花卉图案</a:t>
+              <a:t>花卉俄罗斯图案</a:t>
             </a:r>
           </a:p>
           <a:p>
